--- a/專案進度報告_吳紹郁_20241213.pptx
+++ b/專案進度報告_吳紹郁_20241213.pptx
@@ -6924,13 +6924,48 @@
           <a:chExt cx="0" cy="0"/>
         </a:xfrm>
       </p:grpSpPr>
+      <p:sp>
+        <p:nvSpPr>
+          <p:cNvPr id="3" name="標題 2"/>
+          <p:cNvSpPr>
+            <a:spLocks noGrp="1"/>
+          </p:cNvSpPr>
+          <p:nvPr>
+            <p:ph type="title"/>
+          </p:nvPr>
+        </p:nvSpPr>
+        <p:spPr/>
+        <p:txBody>
+          <a:bodyPr/>
+          <a:lstStyle/>
+          <a:p>
+            <a:r>
+              <a:rPr lang="zh-TW" altLang="en-US" dirty="0"/>
+              <a:t>控管記錄 </a:t>
+            </a:r>
+            <a:r>
+              <a:rPr lang="en-US" altLang="zh-TW" dirty="0"/>
+              <a:t>-</a:t>
+            </a:r>
+            <a:r>
+              <a:rPr lang="zh-TW" altLang="en-US" dirty="0"/>
+              <a:t> </a:t>
+            </a:r>
+            <a:r>
+              <a:rPr lang="en-US" altLang="zh-TW" dirty="0"/>
+              <a:t>Git (2024/11/18)</a:t>
+            </a:r>
+            <a:endParaRPr lang="zh-TW" altLang="en-US" dirty="0"/>
+          </a:p>
+        </p:txBody>
+      </p:sp>
       <p:pic>
         <p:nvPicPr>
-          <p:cNvPr id="5" name="圖片 4">
+          <p:cNvPr id="4" name="圖片 3">
             <a:hlinkClick r:id="rId2"/>
             <a:extLst>
               <a:ext uri="{FF2B5EF4-FFF2-40B4-BE49-F238E27FC236}">
-                <a16:creationId xmlns:a16="http://schemas.microsoft.com/office/drawing/2014/main" id="{59F8B3B3-F005-C115-4306-F29AD4BA6E31}"/>
+                <a16:creationId xmlns:a16="http://schemas.microsoft.com/office/drawing/2014/main" id="{66A31200-90F1-3D94-3B2A-969E49DA7502}"/>
               </a:ext>
             </a:extLst>
           </p:cNvPr>
@@ -6947,49 +6982,14 @@
         </p:blipFill>
         <p:spPr>
           <a:xfrm>
-            <a:off x="2033319" y="1233575"/>
-            <a:ext cx="8125364" cy="4910293"/>
+            <a:off x="1192823" y="1263226"/>
+            <a:ext cx="9806354" cy="4876672"/>
           </a:xfrm>
           <a:prstGeom prst="rect">
             <a:avLst/>
           </a:prstGeom>
         </p:spPr>
       </p:pic>
-      <p:sp>
-        <p:nvSpPr>
-          <p:cNvPr id="3" name="標題 2"/>
-          <p:cNvSpPr>
-            <a:spLocks noGrp="1"/>
-          </p:cNvSpPr>
-          <p:nvPr>
-            <p:ph type="title"/>
-          </p:nvPr>
-        </p:nvSpPr>
-        <p:spPr/>
-        <p:txBody>
-          <a:bodyPr/>
-          <a:lstStyle/>
-          <a:p>
-            <a:r>
-              <a:rPr lang="zh-TW" altLang="en-US" dirty="0"/>
-              <a:t>控管記錄 </a:t>
-            </a:r>
-            <a:r>
-              <a:rPr lang="en-US" altLang="zh-TW" dirty="0"/>
-              <a:t>-</a:t>
-            </a:r>
-            <a:r>
-              <a:rPr lang="zh-TW" altLang="en-US" dirty="0"/>
-              <a:t> </a:t>
-            </a:r>
-            <a:r>
-              <a:rPr lang="en-US" altLang="zh-TW" dirty="0"/>
-              <a:t>Git (2024/11/18)</a:t>
-            </a:r>
-            <a:endParaRPr lang="zh-TW" altLang="en-US" dirty="0"/>
-          </a:p>
-        </p:txBody>
-      </p:sp>
     </p:spTree>
     <p:extLst>
       <p:ext uri="{BB962C8B-B14F-4D97-AF65-F5344CB8AC3E}">

--- a/專案進度報告_吳紹郁_20241213.pptx
+++ b/專案進度報告_吳紹郁_20241213.pptx
@@ -5057,7 +5057,7 @@
             </a:r>
             <a:r>
               <a:rPr lang="en-US" altLang="zh-TW" dirty="0"/>
-              <a:t>2024/11/13</a:t>
+              <a:t>2024/12/13</a:t>
             </a:r>
           </a:p>
           <a:p>
@@ -5066,9 +5066,10 @@
               <a:t>開始日期：</a:t>
             </a:r>
             <a:r>
-              <a:rPr lang="en-US" altLang="zh-TW" dirty="0"/>
-              <a:t>2024/11/06</a:t>
-            </a:r>
+              <a:rPr lang="en-US" altLang="zh-TW"/>
+              <a:t>2024/11/22</a:t>
+            </a:r>
+            <a:endParaRPr lang="en-US" altLang="zh-TW" dirty="0"/>
           </a:p>
           <a:p>
             <a:pPr algn="l"/>
@@ -5078,7 +5079,7 @@
             </a:r>
             <a:r>
               <a:rPr lang="en-US" altLang="zh-TW" dirty="0"/>
-              <a:t> 2024/11/12</a:t>
+              <a:t> 2024/12/13</a:t>
             </a:r>
             <a:endParaRPr lang="zh-TW" altLang="en-US" dirty="0"/>
           </a:p>
